--- a/제안서 이미지/타서비스와 차이점.pptx
+++ b/제안서 이미지/타서비스와 차이점.pptx
@@ -3524,8 +3524,8 @@
           </a:p>
         </p:txBody>
       </p:sp>
-      <mc:AlternateContent xmlns:mc="http://schemas.openxmlformats.org/markup-compatibility/2006">
-        <mc:Choice xmlns:a14="http://schemas.microsoft.com/office/drawing/2010/main" Requires="a14">
+      <mc:AlternateContent xmlns:mc="http://schemas.openxmlformats.org/markup-compatibility/2006" xmlns:a14="http://schemas.microsoft.com/office/drawing/2010/main">
+        <mc:Choice Requires="a14">
           <p:sp>
             <p:nvSpPr>
               <p:cNvPr id="15" name="직사각형 14">
@@ -3624,7 +3624,7 @@
             </p:txBody>
           </p:sp>
         </mc:Choice>
-        <mc:Fallback>
+        <mc:Fallback xmlns="">
           <p:sp>
             <p:nvSpPr>
               <p:cNvPr id="15" name="직사각형 14">
@@ -5559,7 +5559,7 @@
                 <a:latin typeface="나눔스퀘어OTF ExtraBold" panose="020B0600000101010101" pitchFamily="34" charset="-127"/>
                 <a:ea typeface="나눔스퀘어OTF ExtraBold" panose="020B0600000101010101" pitchFamily="34" charset="-127"/>
               </a:rPr>
-              <a:t>본 서비스 제품명</a:t>
+              <a:t>제안하는 소프트웨어</a:t>
             </a:r>
           </a:p>
         </p:txBody>

--- a/제안서 이미지/타서비스와 차이점.pptx
+++ b/제안서 이미지/타서비스와 차이점.pptx
@@ -305,7 +305,7 @@
           <a:p>
             <a:fld id="{492EC2E9-E4BD-47F8-BBFB-99828CA9A5F1}" type="datetimeFigureOut">
               <a:rPr lang="ko-KR" altLang="en-US" smtClean="0"/>
-              <a:t>2022-06-29</a:t>
+              <a:t>2022-07-07</a:t>
             </a:fld>
             <a:endParaRPr lang="ko-KR" altLang="en-US"/>
           </a:p>
@@ -503,7 +503,7 @@
           <a:p>
             <a:fld id="{492EC2E9-E4BD-47F8-BBFB-99828CA9A5F1}" type="datetimeFigureOut">
               <a:rPr lang="ko-KR" altLang="en-US" smtClean="0"/>
-              <a:t>2022-06-29</a:t>
+              <a:t>2022-07-07</a:t>
             </a:fld>
             <a:endParaRPr lang="ko-KR" altLang="en-US"/>
           </a:p>
@@ -711,7 +711,7 @@
           <a:p>
             <a:fld id="{492EC2E9-E4BD-47F8-BBFB-99828CA9A5F1}" type="datetimeFigureOut">
               <a:rPr lang="ko-KR" altLang="en-US" smtClean="0"/>
-              <a:t>2022-06-29</a:t>
+              <a:t>2022-07-07</a:t>
             </a:fld>
             <a:endParaRPr lang="ko-KR" altLang="en-US"/>
           </a:p>
@@ -909,7 +909,7 @@
           <a:p>
             <a:fld id="{492EC2E9-E4BD-47F8-BBFB-99828CA9A5F1}" type="datetimeFigureOut">
               <a:rPr lang="ko-KR" altLang="en-US" smtClean="0"/>
-              <a:t>2022-06-29</a:t>
+              <a:t>2022-07-07</a:t>
             </a:fld>
             <a:endParaRPr lang="ko-KR" altLang="en-US"/>
           </a:p>
@@ -1184,7 +1184,7 @@
           <a:p>
             <a:fld id="{492EC2E9-E4BD-47F8-BBFB-99828CA9A5F1}" type="datetimeFigureOut">
               <a:rPr lang="ko-KR" altLang="en-US" smtClean="0"/>
-              <a:t>2022-06-29</a:t>
+              <a:t>2022-07-07</a:t>
             </a:fld>
             <a:endParaRPr lang="ko-KR" altLang="en-US"/>
           </a:p>
@@ -1449,7 +1449,7 @@
           <a:p>
             <a:fld id="{492EC2E9-E4BD-47F8-BBFB-99828CA9A5F1}" type="datetimeFigureOut">
               <a:rPr lang="ko-KR" altLang="en-US" smtClean="0"/>
-              <a:t>2022-06-29</a:t>
+              <a:t>2022-07-07</a:t>
             </a:fld>
             <a:endParaRPr lang="ko-KR" altLang="en-US"/>
           </a:p>
@@ -1861,7 +1861,7 @@
           <a:p>
             <a:fld id="{492EC2E9-E4BD-47F8-BBFB-99828CA9A5F1}" type="datetimeFigureOut">
               <a:rPr lang="ko-KR" altLang="en-US" smtClean="0"/>
-              <a:t>2022-06-29</a:t>
+              <a:t>2022-07-07</a:t>
             </a:fld>
             <a:endParaRPr lang="ko-KR" altLang="en-US"/>
           </a:p>
@@ -2002,7 +2002,7 @@
           <a:p>
             <a:fld id="{492EC2E9-E4BD-47F8-BBFB-99828CA9A5F1}" type="datetimeFigureOut">
               <a:rPr lang="ko-KR" altLang="en-US" smtClean="0"/>
-              <a:t>2022-06-29</a:t>
+              <a:t>2022-07-07</a:t>
             </a:fld>
             <a:endParaRPr lang="ko-KR" altLang="en-US"/>
           </a:p>
@@ -2115,7 +2115,7 @@
           <a:p>
             <a:fld id="{492EC2E9-E4BD-47F8-BBFB-99828CA9A5F1}" type="datetimeFigureOut">
               <a:rPr lang="ko-KR" altLang="en-US" smtClean="0"/>
-              <a:t>2022-06-29</a:t>
+              <a:t>2022-07-07</a:t>
             </a:fld>
             <a:endParaRPr lang="ko-KR" altLang="en-US"/>
           </a:p>
@@ -2426,7 +2426,7 @@
           <a:p>
             <a:fld id="{492EC2E9-E4BD-47F8-BBFB-99828CA9A5F1}" type="datetimeFigureOut">
               <a:rPr lang="ko-KR" altLang="en-US" smtClean="0"/>
-              <a:t>2022-06-29</a:t>
+              <a:t>2022-07-07</a:t>
             </a:fld>
             <a:endParaRPr lang="ko-KR" altLang="en-US"/>
           </a:p>
@@ -2714,7 +2714,7 @@
           <a:p>
             <a:fld id="{492EC2E9-E4BD-47F8-BBFB-99828CA9A5F1}" type="datetimeFigureOut">
               <a:rPr lang="ko-KR" altLang="en-US" smtClean="0"/>
-              <a:t>2022-06-29</a:t>
+              <a:t>2022-07-07</a:t>
             </a:fld>
             <a:endParaRPr lang="ko-KR" altLang="en-US"/>
           </a:p>
@@ -2955,7 +2955,7 @@
           <a:p>
             <a:fld id="{492EC2E9-E4BD-47F8-BBFB-99828CA9A5F1}" type="datetimeFigureOut">
               <a:rPr lang="ko-KR" altLang="en-US" smtClean="0"/>
-              <a:t>2022-06-29</a:t>
+              <a:t>2022-07-07</a:t>
             </a:fld>
             <a:endParaRPr lang="ko-KR" altLang="en-US"/>
           </a:p>
@@ -3419,7 +3419,7 @@
         </p:nvSpPr>
         <p:spPr>
           <a:xfrm>
-            <a:off x="2746577" y="271517"/>
+            <a:off x="2754197" y="271517"/>
             <a:ext cx="6683605" cy="914400"/>
           </a:xfrm>
           <a:prstGeom prst="roundRect">
@@ -3453,16 +3453,13 @@
           <a:lstStyle/>
           <a:p>
             <a:pPr algn="ctr"/>
-            <a:r>
-              <a:rPr lang="ko-KR" altLang="en-US" sz="4000" b="1" dirty="0">
-                <a:solidFill>
-                  <a:schemeClr val="tx1"/>
-                </a:solidFill>
-                <a:latin typeface="나눔스퀘어OTF ExtraBold" panose="020B0600000101010101" pitchFamily="34" charset="-127"/>
-                <a:ea typeface="나눔스퀘어OTF ExtraBold" panose="020B0600000101010101" pitchFamily="34" charset="-127"/>
-              </a:rPr>
-              <a:t>입지분석 서비스 기술 비교 </a:t>
-            </a:r>
+            <a:endParaRPr lang="ko-KR" altLang="en-US" sz="4000" b="1" dirty="0">
+              <a:solidFill>
+                <a:schemeClr val="tx1"/>
+              </a:solidFill>
+              <a:latin typeface="나눔스퀘어OTF ExtraBold" panose="020B0600000101010101" pitchFamily="34" charset="-127"/>
+              <a:ea typeface="나눔스퀘어OTF ExtraBold" panose="020B0600000101010101" pitchFamily="34" charset="-127"/>
+            </a:endParaRPr>
           </a:p>
         </p:txBody>
       </p:sp>
@@ -3480,7 +3477,7 @@
         </p:nvSpPr>
         <p:spPr>
           <a:xfrm>
-            <a:off x="754144" y="1611984"/>
+            <a:off x="761764" y="1611984"/>
             <a:ext cx="2102178" cy="603315"/>
           </a:xfrm>
           <a:prstGeom prst="rect">
@@ -3524,8 +3521,8 @@
           </a:p>
         </p:txBody>
       </p:sp>
-      <mc:AlternateContent xmlns:mc="http://schemas.openxmlformats.org/markup-compatibility/2006" xmlns:a14="http://schemas.microsoft.com/office/drawing/2010/main">
-        <mc:Choice Requires="a14">
+      <mc:AlternateContent xmlns:mc="http://schemas.openxmlformats.org/markup-compatibility/2006">
+        <mc:Choice xmlns:a14="http://schemas.microsoft.com/office/drawing/2010/main" Requires="a14">
           <p:sp>
             <p:nvSpPr>
               <p:cNvPr id="15" name="직사각형 14">
@@ -3540,8 +3537,8 @@
             </p:nvSpPr>
             <p:spPr>
               <a:xfrm>
-                <a:off x="2894030" y="1598300"/>
-                <a:ext cx="2102178" cy="615441"/>
+                <a:off x="2915578" y="1598300"/>
+                <a:ext cx="2088249" cy="615441"/>
               </a:xfrm>
               <a:prstGeom prst="rect">
                 <a:avLst/>
@@ -3579,7 +3576,7 @@
                     <m:sSup>
                       <m:sSupPr>
                         <m:ctrlPr>
-                          <a:rPr lang="en-US" altLang="ko-KR" sz="2400" b="1" i="1" smtClean="0">
+                          <a:rPr lang="en-US" altLang="ko-KR" sz="1900" b="1" i="1" spc="-100" smtClean="0">
                             <a:latin typeface="Cambria Math" panose="02040503050406030204" pitchFamily="18" charset="0"/>
                             <a:ea typeface="나눔스퀘어OTF ExtraBold" panose="020B0600000101010101" pitchFamily="34" charset="-127"/>
                           </a:rPr>
@@ -3587,7 +3584,7 @@
                       </m:sSupPr>
                       <m:e>
                         <m:r>
-                          <a:rPr lang="en-US" altLang="ko-KR" sz="2400" b="1" i="1" smtClean="0">
+                          <a:rPr lang="en-US" altLang="ko-KR" sz="1900" b="1" i="1" spc="-100" smtClean="0">
                             <a:latin typeface="Cambria Math" panose="02040503050406030204" pitchFamily="18" charset="0"/>
                             <a:ea typeface="나눔스퀘어OTF ExtraBold" panose="020B0600000101010101" pitchFamily="34" charset="-127"/>
                           </a:rPr>
@@ -3596,7 +3593,7 @@
                       </m:e>
                       <m:sup>
                         <m:r>
-                          <a:rPr lang="en-US" altLang="ko-KR" sz="2400" b="1" i="1" smtClean="0">
+                          <a:rPr lang="en-US" altLang="ko-KR" sz="1900" b="1" i="1" spc="-100" smtClean="0">
                             <a:solidFill>
                               <a:schemeClr val="tx1"/>
                             </a:solidFill>
@@ -3607,16 +3604,47 @@
                         </m:r>
                       </m:sup>
                     </m:sSup>
+                    <m:r>
+                      <a:rPr lang="ko-KR" altLang="en-US" sz="1900" b="1" i="1" spc="-100" smtClean="0">
+                        <a:solidFill>
+                          <a:schemeClr val="bg1"/>
+                        </a:solidFill>
+                        <a:latin typeface="Cambria Math" panose="02040503050406030204" pitchFamily="18" charset="0"/>
+                        <a:ea typeface="나눔스퀘어OTF ExtraBold" panose="020B0600000101010101" pitchFamily="34" charset="-127"/>
+                      </a:rPr>
+                      <m:t>에</m:t>
+                    </m:r>
                   </m:oMath>
                 </a14:m>
                 <a:r>
-                  <a:rPr lang="en-US" altLang="ko-KR" sz="2400" b="1" dirty="0">
+                  <a:rPr lang="ko-KR" altLang="en-US" sz="1900" b="1" spc="-100" dirty="0">
                     <a:latin typeface="나눔스퀘어OTF ExtraBold" panose="020B0600000101010101" pitchFamily="34" charset="-127"/>
                     <a:ea typeface="나눔스퀘어OTF ExtraBold" panose="020B0600000101010101" pitchFamily="34" charset="-127"/>
                   </a:rPr>
-                  <a:t>CHARLOWA</a:t>
+                  <a:t>코 </a:t>
                 </a:r>
-                <a:endParaRPr lang="ko-KR" altLang="en-US" sz="2400" b="1" dirty="0">
+                <a:r>
+                  <a:rPr lang="ko-KR" altLang="en-US" sz="1900" b="1" spc="-100" dirty="0" err="1">
+                    <a:latin typeface="나눔스퀘어OTF ExtraBold" panose="020B0600000101010101" pitchFamily="34" charset="-127"/>
+                    <a:ea typeface="나눔스퀘어OTF ExtraBold" panose="020B0600000101010101" pitchFamily="34" charset="-127"/>
+                  </a:rPr>
+                  <a:t>차징</a:t>
+                </a:r>
+                <a:r>
+                  <a:rPr lang="ko-KR" altLang="en-US" sz="1900" b="1" spc="-100" dirty="0">
+                    <a:latin typeface="나눔스퀘어OTF ExtraBold" panose="020B0600000101010101" pitchFamily="34" charset="-127"/>
+                    <a:ea typeface="나눔스퀘어OTF ExtraBold" panose="020B0600000101010101" pitchFamily="34" charset="-127"/>
+                  </a:rPr>
+                  <a:t> </a:t>
+                </a:r>
+                <a:r>
+                  <a:rPr lang="ko-KR" altLang="en-US" sz="1900" b="1" spc="-100" dirty="0" err="1">
+                    <a:latin typeface="나눔스퀘어OTF ExtraBold" panose="020B0600000101010101" pitchFamily="34" charset="-127"/>
+                    <a:ea typeface="나눔스퀘어OTF ExtraBold" panose="020B0600000101010101" pitchFamily="34" charset="-127"/>
+                  </a:rPr>
+                  <a:t>플레이스</a:t>
+                </a:r>
+                <a:endParaRPr lang="ko-KR" altLang="en-US" sz="1900" b="1" spc="-100" dirty="0">
                   <a:latin typeface="나눔스퀘어OTF ExtraBold" panose="020B0600000101010101" pitchFamily="34" charset="-127"/>
                   <a:ea typeface="나눔스퀘어OTF ExtraBold" panose="020B0600000101010101" pitchFamily="34" charset="-127"/>
                 </a:endParaRPr>
@@ -3624,7 +3652,7 @@
             </p:txBody>
           </p:sp>
         </mc:Choice>
-        <mc:Fallback xmlns="">
+        <mc:Fallback>
           <p:sp>
             <p:nvSpPr>
               <p:cNvPr id="15" name="직사각형 14">
@@ -3641,8 +3669,8 @@
             </p:nvSpPr>
             <p:spPr>
               <a:xfrm>
-                <a:off x="2894030" y="1598300"/>
-                <a:ext cx="2102178" cy="615441"/>
+                <a:off x="2915578" y="1598300"/>
+                <a:ext cx="2088249" cy="615441"/>
               </a:xfrm>
               <a:prstGeom prst="rect">
                 <a:avLst/>
@@ -3650,7 +3678,7 @@
               <a:blipFill>
                 <a:blip r:embed="rId3"/>
                 <a:stretch>
-                  <a:fillRect r="-4058" b="-9901"/>
+                  <a:fillRect r="-2041"/>
                 </a:stretch>
               </a:blipFill>
               <a:ln>
@@ -3686,7 +3714,7 @@
         </p:nvSpPr>
         <p:spPr>
           <a:xfrm>
-            <a:off x="5037291" y="1598299"/>
+            <a:off x="5044911" y="1598299"/>
             <a:ext cx="2102178" cy="615441"/>
           </a:xfrm>
           <a:prstGeom prst="rect">
@@ -3755,7 +3783,7 @@
         </p:nvSpPr>
         <p:spPr>
           <a:xfrm>
-            <a:off x="7170041" y="1602843"/>
+            <a:off x="7177661" y="1602843"/>
             <a:ext cx="2123200" cy="621595"/>
           </a:xfrm>
           <a:prstGeom prst="rect">
@@ -3813,7 +3841,7 @@
         </p:nvSpPr>
         <p:spPr>
           <a:xfrm>
-            <a:off x="9325167" y="1598299"/>
+            <a:off x="9332787" y="1598299"/>
             <a:ext cx="2123200" cy="615441"/>
           </a:xfrm>
           <a:prstGeom prst="rect">
@@ -3882,7 +3910,7 @@
         </p:nvSpPr>
         <p:spPr>
           <a:xfrm>
-            <a:off x="754144" y="2257839"/>
+            <a:off x="761764" y="2257839"/>
             <a:ext cx="2102178" cy="609348"/>
           </a:xfrm>
           <a:prstGeom prst="rect">
@@ -3963,7 +3991,7 @@
         </p:nvSpPr>
         <p:spPr>
           <a:xfrm>
-            <a:off x="742322" y="2919252"/>
+            <a:off x="749942" y="2919252"/>
             <a:ext cx="2102178" cy="609348"/>
           </a:xfrm>
           <a:prstGeom prst="rect">
@@ -4024,7 +4052,7 @@
         </p:nvSpPr>
         <p:spPr>
           <a:xfrm>
-            <a:off x="754144" y="3573329"/>
+            <a:off x="761764" y="3573329"/>
             <a:ext cx="2102178" cy="609348"/>
           </a:xfrm>
           <a:prstGeom prst="rect">
@@ -4105,7 +4133,7 @@
         </p:nvSpPr>
         <p:spPr>
           <a:xfrm>
-            <a:off x="761372" y="4196491"/>
+            <a:off x="768992" y="4196491"/>
             <a:ext cx="2102178" cy="609348"/>
           </a:xfrm>
           <a:prstGeom prst="rect">
@@ -4186,7 +4214,7 @@
         </p:nvSpPr>
         <p:spPr>
           <a:xfrm>
-            <a:off x="754144" y="4888819"/>
+            <a:off x="761764" y="4888819"/>
             <a:ext cx="2102178" cy="609348"/>
           </a:xfrm>
           <a:prstGeom prst="rect">
@@ -4247,7 +4275,7 @@
         </p:nvSpPr>
         <p:spPr>
           <a:xfrm>
-            <a:off x="761372" y="5519935"/>
+            <a:off x="768992" y="5519935"/>
             <a:ext cx="2102178" cy="609348"/>
           </a:xfrm>
           <a:prstGeom prst="rect">
@@ -4316,7 +4344,7 @@
         </p:blipFill>
         <p:spPr>
           <a:xfrm>
-            <a:off x="5757814" y="2295607"/>
+            <a:off x="5765434" y="2295607"/>
             <a:ext cx="676369" cy="571580"/>
           </a:xfrm>
           <a:prstGeom prst="rect">
@@ -4346,7 +4374,7 @@
         </p:blipFill>
         <p:spPr>
           <a:xfrm>
-            <a:off x="7898116" y="2257839"/>
+            <a:off x="7905736" y="2257839"/>
             <a:ext cx="714475" cy="581106"/>
           </a:xfrm>
           <a:prstGeom prst="rect">
@@ -4376,7 +4404,7 @@
         </p:blipFill>
         <p:spPr>
           <a:xfrm>
-            <a:off x="10110502" y="3620624"/>
+            <a:off x="10118122" y="3620624"/>
             <a:ext cx="571580" cy="562053"/>
           </a:xfrm>
           <a:prstGeom prst="rect">
@@ -4398,7 +4426,7 @@
         </p:nvSpPr>
         <p:spPr>
           <a:xfrm>
-            <a:off x="2889393" y="2909727"/>
+            <a:off x="2897013" y="2909727"/>
             <a:ext cx="2102178" cy="609348"/>
           </a:xfrm>
           <a:prstGeom prst="rect">
@@ -4456,7 +4484,7 @@
         </p:nvSpPr>
         <p:spPr>
           <a:xfrm>
-            <a:off x="5052623" y="2909727"/>
+            <a:off x="5060243" y="2909727"/>
             <a:ext cx="2102178" cy="609348"/>
           </a:xfrm>
           <a:prstGeom prst="rect">
@@ -4514,7 +4542,7 @@
         </p:nvSpPr>
         <p:spPr>
           <a:xfrm>
-            <a:off x="2889393" y="3557175"/>
+            <a:off x="2897013" y="3557175"/>
             <a:ext cx="2102178" cy="609348"/>
           </a:xfrm>
           <a:prstGeom prst="rect">
@@ -4572,7 +4600,7 @@
         </p:nvSpPr>
         <p:spPr>
           <a:xfrm>
-            <a:off x="2907959" y="4239031"/>
+            <a:off x="2915579" y="4239031"/>
             <a:ext cx="2102178" cy="609348"/>
           </a:xfrm>
           <a:prstGeom prst="rect">
@@ -4673,7 +4701,7 @@
         </p:nvSpPr>
         <p:spPr>
           <a:xfrm>
-            <a:off x="5044909" y="4211731"/>
+            <a:off x="5052529" y="4211731"/>
             <a:ext cx="2102178" cy="609348"/>
           </a:xfrm>
           <a:prstGeom prst="rect">
@@ -4774,7 +4802,7 @@
         </p:nvSpPr>
         <p:spPr>
           <a:xfrm>
-            <a:off x="7177569" y="4219351"/>
+            <a:off x="7185189" y="4219351"/>
             <a:ext cx="2102178" cy="609348"/>
           </a:xfrm>
           <a:prstGeom prst="rect">
@@ -4875,7 +4903,7 @@
         </p:nvSpPr>
         <p:spPr>
           <a:xfrm>
-            <a:off x="9325951" y="4219351"/>
+            <a:off x="9333571" y="4219351"/>
             <a:ext cx="2102178" cy="609348"/>
           </a:xfrm>
           <a:prstGeom prst="rect">
@@ -4984,7 +5012,7 @@
         </p:blipFill>
         <p:spPr>
           <a:xfrm>
-            <a:off x="5838789" y="4957730"/>
+            <a:off x="5846409" y="4957730"/>
             <a:ext cx="514422" cy="466790"/>
           </a:xfrm>
           <a:prstGeom prst="rect">
@@ -5006,7 +5034,7 @@
         </p:nvSpPr>
         <p:spPr>
           <a:xfrm>
-            <a:off x="7185168" y="5538375"/>
+            <a:off x="7192788" y="5538375"/>
             <a:ext cx="2102178" cy="609348"/>
           </a:xfrm>
           <a:prstGeom prst="rect">
@@ -5074,7 +5102,7 @@
         </p:nvSpPr>
         <p:spPr>
           <a:xfrm>
-            <a:off x="2898918" y="5557425"/>
+            <a:off x="2906538" y="5557425"/>
             <a:ext cx="2102178" cy="609348"/>
           </a:xfrm>
           <a:prstGeom prst="rect">
@@ -5145,7 +5173,7 @@
         </p:nvSpPr>
         <p:spPr>
           <a:xfrm>
-            <a:off x="5032518" y="5547900"/>
+            <a:off x="5040138" y="5547900"/>
             <a:ext cx="2102178" cy="609348"/>
           </a:xfrm>
           <a:prstGeom prst="rect">
@@ -5213,7 +5241,7 @@
         </p:nvSpPr>
         <p:spPr>
           <a:xfrm>
-            <a:off x="2889393" y="2271552"/>
+            <a:off x="2897013" y="2271552"/>
             <a:ext cx="2102178" cy="609348"/>
           </a:xfrm>
           <a:prstGeom prst="rect">
@@ -5271,7 +5299,7 @@
         </p:nvSpPr>
         <p:spPr>
           <a:xfrm>
-            <a:off x="5051568" y="2271552"/>
+            <a:off x="5059188" y="2271552"/>
             <a:ext cx="2102178" cy="609348"/>
           </a:xfrm>
           <a:prstGeom prst="rect">
@@ -5329,7 +5357,7 @@
         </p:nvSpPr>
         <p:spPr>
           <a:xfrm>
-            <a:off x="7175643" y="2281077"/>
+            <a:off x="7183263" y="2281077"/>
             <a:ext cx="2102178" cy="609348"/>
           </a:xfrm>
           <a:prstGeom prst="rect">
@@ -5397,7 +5425,7 @@
         </p:nvSpPr>
         <p:spPr>
           <a:xfrm>
-            <a:off x="9309243" y="5538375"/>
+            <a:off x="9316863" y="5538375"/>
             <a:ext cx="2102178" cy="609348"/>
           </a:xfrm>
           <a:prstGeom prst="rect">
@@ -5465,7 +5493,7 @@
         </p:nvSpPr>
         <p:spPr>
           <a:xfrm>
-            <a:off x="9309243" y="2919252"/>
+            <a:off x="9316863" y="2919252"/>
             <a:ext cx="2102178" cy="609348"/>
           </a:xfrm>
           <a:prstGeom prst="rect">
@@ -5533,7 +5561,7 @@
         </p:nvSpPr>
         <p:spPr>
           <a:xfrm>
-            <a:off x="762000" y="6286500"/>
+            <a:off x="769620" y="6286500"/>
             <a:ext cx="10601325" cy="369332"/>
           </a:xfrm>
           <a:prstGeom prst="rect">
@@ -5552,7 +5580,49 @@
                 <a:latin typeface="나눔스퀘어OTF ExtraBold" panose="020B0600000101010101" pitchFamily="34" charset="-127"/>
                 <a:ea typeface="나눔스퀘어OTF ExtraBold" panose="020B0600000101010101" pitchFamily="34" charset="-127"/>
               </a:rPr>
-              <a:t>*) CHARLOWA ⇒ </a:t>
+              <a:t>*) </a:t>
+            </a:r>
+            <a:r>
+              <a:rPr lang="ko-KR" altLang="en-US" dirty="0">
+                <a:latin typeface="나눔스퀘어OTF ExtraBold" panose="020B0600000101010101" pitchFamily="34" charset="-127"/>
+                <a:ea typeface="나눔스퀘어OTF ExtraBold" panose="020B0600000101010101" pitchFamily="34" charset="-127"/>
+              </a:rPr>
+              <a:t>에코</a:t>
+            </a:r>
+            <a:r>
+              <a:rPr lang="ko-KR" altLang="en-US" sz="1800" b="1" dirty="0">
+                <a:latin typeface="나눔스퀘어OTF ExtraBold" panose="020B0600000101010101" pitchFamily="34" charset="-127"/>
+                <a:ea typeface="나눔스퀘어OTF ExtraBold" panose="020B0600000101010101" pitchFamily="34" charset="-127"/>
+              </a:rPr>
+              <a:t> </a:t>
+            </a:r>
+            <a:r>
+              <a:rPr lang="ko-KR" altLang="en-US" sz="1800" b="1" dirty="0" err="1">
+                <a:latin typeface="나눔스퀘어OTF ExtraBold" panose="020B0600000101010101" pitchFamily="34" charset="-127"/>
+                <a:ea typeface="나눔스퀘어OTF ExtraBold" panose="020B0600000101010101" pitchFamily="34" charset="-127"/>
+              </a:rPr>
+              <a:t>차징</a:t>
+            </a:r>
+            <a:r>
+              <a:rPr lang="ko-KR" altLang="en-US" sz="1800" b="1" dirty="0">
+                <a:latin typeface="나눔스퀘어OTF ExtraBold" panose="020B0600000101010101" pitchFamily="34" charset="-127"/>
+                <a:ea typeface="나눔스퀘어OTF ExtraBold" panose="020B0600000101010101" pitchFamily="34" charset="-127"/>
+              </a:rPr>
+              <a:t> </a:t>
+            </a:r>
+            <a:r>
+              <a:rPr lang="ko-KR" altLang="en-US" sz="1800" b="1" dirty="0" err="1">
+                <a:latin typeface="나눔스퀘어OTF ExtraBold" panose="020B0600000101010101" pitchFamily="34" charset="-127"/>
+                <a:ea typeface="나눔스퀘어OTF ExtraBold" panose="020B0600000101010101" pitchFamily="34" charset="-127"/>
+              </a:rPr>
+              <a:t>플레이스</a:t>
+            </a:r>
+            <a:r>
+              <a:rPr lang="en-US" altLang="ko-KR" dirty="0">
+                <a:latin typeface="나눔스퀘어OTF ExtraBold" panose="020B0600000101010101" pitchFamily="34" charset="-127"/>
+                <a:ea typeface="나눔스퀘어OTF ExtraBold" panose="020B0600000101010101" pitchFamily="34" charset="-127"/>
+              </a:rPr>
+              <a:t> ⇒ </a:t>
             </a:r>
             <a:r>
               <a:rPr lang="ko-KR" altLang="en-US" dirty="0">
@@ -5578,7 +5648,7 @@
         </p:nvSpPr>
         <p:spPr>
           <a:xfrm>
-            <a:off x="2857991" y="1314254"/>
+            <a:off x="2865611" y="1314254"/>
             <a:ext cx="2181225" cy="4981576"/>
           </a:xfrm>
           <a:prstGeom prst="roundRect">
@@ -5638,7 +5708,7 @@
         </p:blipFill>
         <p:spPr>
           <a:xfrm>
-            <a:off x="7910468" y="2995580"/>
+            <a:off x="7918088" y="2995580"/>
             <a:ext cx="638264" cy="466790"/>
           </a:xfrm>
           <a:prstGeom prst="rect">
@@ -5660,7 +5730,7 @@
         </p:nvGrpSpPr>
         <p:grpSpPr>
           <a:xfrm>
-            <a:off x="3707908" y="2990752"/>
+            <a:off x="3715528" y="2990752"/>
             <a:ext cx="426435" cy="432606"/>
             <a:chOff x="3707908" y="2981325"/>
             <a:chExt cx="426435" cy="432606"/>
@@ -5787,7 +5857,7 @@
         </p:nvGrpSpPr>
         <p:grpSpPr>
           <a:xfrm>
-            <a:off x="5879608" y="3005455"/>
+            <a:off x="5887228" y="3005455"/>
             <a:ext cx="426435" cy="438956"/>
             <a:chOff x="5879608" y="2974975"/>
             <a:chExt cx="426435" cy="438956"/>
@@ -5914,7 +5984,7 @@
         </p:nvGrpSpPr>
         <p:grpSpPr>
           <a:xfrm>
-            <a:off x="10169033" y="2994025"/>
+            <a:off x="10176653" y="2994025"/>
             <a:ext cx="426435" cy="431800"/>
             <a:chOff x="10169033" y="2994025"/>
             <a:chExt cx="426435" cy="431800"/>
@@ -6295,7 +6365,7 @@
         </p:nvGrpSpPr>
         <p:grpSpPr>
           <a:xfrm>
-            <a:off x="5874846" y="2328232"/>
+            <a:off x="5882466" y="2328232"/>
             <a:ext cx="426435" cy="438956"/>
             <a:chOff x="5879608" y="2974975"/>
             <a:chExt cx="426435" cy="438956"/>
@@ -6422,7 +6492,7 @@
         </p:nvGrpSpPr>
         <p:grpSpPr>
           <a:xfrm>
-            <a:off x="8038926" y="2328232"/>
+            <a:off x="8046546" y="2328232"/>
             <a:ext cx="426435" cy="438956"/>
             <a:chOff x="8000826" y="2328232"/>
             <a:chExt cx="426435" cy="438956"/>
@@ -6549,7 +6619,7 @@
         </p:nvGrpSpPr>
         <p:grpSpPr>
           <a:xfrm>
-            <a:off x="8038926" y="3642682"/>
+            <a:off x="8046546" y="3642682"/>
             <a:ext cx="426435" cy="438956"/>
             <a:chOff x="8000826" y="2328232"/>
             <a:chExt cx="426435" cy="438956"/>
@@ -6684,7 +6754,7 @@
         </p:blipFill>
         <p:spPr>
           <a:xfrm>
-            <a:off x="3638616" y="3599830"/>
+            <a:off x="3646236" y="3599830"/>
             <a:ext cx="571956" cy="561743"/>
           </a:xfrm>
           <a:prstGeom prst="rect">
@@ -6714,7 +6784,7 @@
         </p:blipFill>
         <p:spPr>
           <a:xfrm>
-            <a:off x="3629189" y="2261224"/>
+            <a:off x="3636809" y="2261224"/>
             <a:ext cx="571956" cy="561743"/>
           </a:xfrm>
           <a:prstGeom prst="rect">
@@ -6744,7 +6814,7 @@
         </p:blipFill>
         <p:spPr>
           <a:xfrm>
-            <a:off x="3638616" y="4900728"/>
+            <a:off x="3646236" y="4900728"/>
             <a:ext cx="571956" cy="561743"/>
           </a:xfrm>
           <a:prstGeom prst="rect">
@@ -6766,7 +6836,7 @@
         </p:nvGrpSpPr>
         <p:grpSpPr>
           <a:xfrm>
-            <a:off x="10169033" y="2346325"/>
+            <a:off x="10176653" y="2346325"/>
             <a:ext cx="426435" cy="431800"/>
             <a:chOff x="10169033" y="2994025"/>
             <a:chExt cx="426435" cy="431800"/>
@@ -6893,7 +6963,7 @@
         </p:nvGrpSpPr>
         <p:grpSpPr>
           <a:xfrm>
-            <a:off x="10176653" y="3664585"/>
+            <a:off x="10184273" y="3664585"/>
             <a:ext cx="426435" cy="431800"/>
             <a:chOff x="10169033" y="2994025"/>
             <a:chExt cx="426435" cy="431800"/>
